--- a/src/ppt2_ar.pptx
+++ b/src/ppt2_ar.pptx
@@ -113,7 +113,7 @@
   </p:defaultTextStyle>
   <p:extLst>
     <p:ext uri="{EFAFB233-063F-42B5-8137-9DF3F51BA10A}">
-      <p15:sldGuideLst xmlns:p15="http://schemas.microsoft.com/office/powerpoint/2012/main">
+      <p15:sldGuideLst xmlns:p15="http://schemas.microsoft.com/office/powerpoint/2012/main" xmlns="">
         <p15:guide id="1" orient="horz" pos="2160">
           <p15:clr>
             <a:srgbClr val="A4A3A4"/>
@@ -853,7 +853,7 @@
             <a:fld id="{48A87A34-81AB-432B-8DAE-1953F412C126}" type="datetimeFigureOut">
               <a:rPr lang="en-US" smtClean="0"/>
               <a:pPr/>
-              <a:t>12/15/2017</a:t>
+              <a:t>2/26/2018</a:t>
             </a:fld>
             <a:endParaRPr lang="en-US" dirty="0"/>
           </a:p>
@@ -905,7 +905,7 @@
     </p:spTree>
     <p:extLst>
       <p:ext uri="{BB962C8B-B14F-4D97-AF65-F5344CB8AC3E}">
-        <p14:creationId xmlns:p14="http://schemas.microsoft.com/office/powerpoint/2010/main" val="2379700270"/>
+        <p14:creationId xmlns:p14="http://schemas.microsoft.com/office/powerpoint/2010/main" xmlns="" val="2379700270"/>
       </p:ext>
     </p:extLst>
   </p:cSld>
@@ -1106,7 +1106,7 @@
             <a:fld id="{48A87A34-81AB-432B-8DAE-1953F412C126}" type="datetimeFigureOut">
               <a:rPr lang="en-US" smtClean="0"/>
               <a:pPr/>
-              <a:t>12/15/2017</a:t>
+              <a:t>2/26/2018</a:t>
             </a:fld>
             <a:endParaRPr lang="en-US" dirty="0"/>
           </a:p>
@@ -1158,7 +1158,7 @@
     </p:spTree>
     <p:extLst>
       <p:ext uri="{BB962C8B-B14F-4D97-AF65-F5344CB8AC3E}">
-        <p14:creationId xmlns:p14="http://schemas.microsoft.com/office/powerpoint/2010/main" val="1804991245"/>
+        <p14:creationId xmlns:p14="http://schemas.microsoft.com/office/powerpoint/2010/main" xmlns="" val="1804991245"/>
       </p:ext>
     </p:extLst>
   </p:cSld>
@@ -1422,7 +1422,7 @@
             <a:fld id="{48A87A34-81AB-432B-8DAE-1953F412C126}" type="datetimeFigureOut">
               <a:rPr lang="en-US" smtClean="0"/>
               <a:pPr/>
-              <a:t>12/15/2017</a:t>
+              <a:t>2/26/2018</a:t>
             </a:fld>
             <a:endParaRPr lang="en-US" dirty="0"/>
           </a:p>
@@ -1564,7 +1564,7 @@
     </p:spTree>
     <p:extLst>
       <p:ext uri="{BB962C8B-B14F-4D97-AF65-F5344CB8AC3E}">
-        <p14:creationId xmlns:p14="http://schemas.microsoft.com/office/powerpoint/2010/main" val="1473712570"/>
+        <p14:creationId xmlns:p14="http://schemas.microsoft.com/office/powerpoint/2010/main" xmlns="" val="1473712570"/>
       </p:ext>
     </p:extLst>
   </p:cSld>
@@ -1765,7 +1765,7 @@
             <a:fld id="{48A87A34-81AB-432B-8DAE-1953F412C126}" type="datetimeFigureOut">
               <a:rPr lang="en-US" smtClean="0"/>
               <a:pPr/>
-              <a:t>12/15/2017</a:t>
+              <a:t>2/26/2018</a:t>
             </a:fld>
             <a:endParaRPr lang="en-US" dirty="0"/>
           </a:p>
@@ -1817,7 +1817,7 @@
     </p:spTree>
     <p:extLst>
       <p:ext uri="{BB962C8B-B14F-4D97-AF65-F5344CB8AC3E}">
-        <p14:creationId xmlns:p14="http://schemas.microsoft.com/office/powerpoint/2010/main" val="2530574234"/>
+        <p14:creationId xmlns:p14="http://schemas.microsoft.com/office/powerpoint/2010/main" xmlns="" val="2530574234"/>
       </p:ext>
     </p:extLst>
   </p:cSld>
@@ -2081,7 +2081,7 @@
             <a:fld id="{48A87A34-81AB-432B-8DAE-1953F412C126}" type="datetimeFigureOut">
               <a:rPr lang="en-US" smtClean="0"/>
               <a:pPr/>
-              <a:t>12/15/2017</a:t>
+              <a:t>2/26/2018</a:t>
             </a:fld>
             <a:endParaRPr lang="en-US" dirty="0"/>
           </a:p>
@@ -2215,7 +2215,7 @@
     </p:spTree>
     <p:extLst>
       <p:ext uri="{BB962C8B-B14F-4D97-AF65-F5344CB8AC3E}">
-        <p14:creationId xmlns:p14="http://schemas.microsoft.com/office/powerpoint/2010/main" val="1004790222"/>
+        <p14:creationId xmlns:p14="http://schemas.microsoft.com/office/powerpoint/2010/main" xmlns="" val="1004790222"/>
       </p:ext>
     </p:extLst>
   </p:cSld>
@@ -2476,7 +2476,7 @@
             <a:fld id="{48A87A34-81AB-432B-8DAE-1953F412C126}" type="datetimeFigureOut">
               <a:rPr lang="en-US" smtClean="0"/>
               <a:pPr/>
-              <a:t>12/15/2017</a:t>
+              <a:t>2/26/2018</a:t>
             </a:fld>
             <a:endParaRPr lang="en-US" dirty="0"/>
           </a:p>
@@ -2528,7 +2528,7 @@
     </p:spTree>
     <p:extLst>
       <p:ext uri="{BB962C8B-B14F-4D97-AF65-F5344CB8AC3E}">
-        <p14:creationId xmlns:p14="http://schemas.microsoft.com/office/powerpoint/2010/main" val="3328784466"/>
+        <p14:creationId xmlns:p14="http://schemas.microsoft.com/office/powerpoint/2010/main" xmlns="" val="3328784466"/>
       </p:ext>
     </p:extLst>
   </p:cSld>
@@ -2648,7 +2648,7 @@
             <a:fld id="{48A87A34-81AB-432B-8DAE-1953F412C126}" type="datetimeFigureOut">
               <a:rPr lang="en-US" smtClean="0"/>
               <a:pPr/>
-              <a:t>12/15/2017</a:t>
+              <a:t>2/26/2018</a:t>
             </a:fld>
             <a:endParaRPr lang="en-US" dirty="0"/>
           </a:p>
@@ -2700,7 +2700,7 @@
     </p:spTree>
     <p:extLst>
       <p:ext uri="{BB962C8B-B14F-4D97-AF65-F5344CB8AC3E}">
-        <p14:creationId xmlns:p14="http://schemas.microsoft.com/office/powerpoint/2010/main" val="1447070425"/>
+        <p14:creationId xmlns:p14="http://schemas.microsoft.com/office/powerpoint/2010/main" xmlns="" val="1447070425"/>
       </p:ext>
     </p:extLst>
   </p:cSld>
@@ -2830,7 +2830,7 @@
             <a:fld id="{48A87A34-81AB-432B-8DAE-1953F412C126}" type="datetimeFigureOut">
               <a:rPr lang="en-US" smtClean="0"/>
               <a:pPr/>
-              <a:t>12/15/2017</a:t>
+              <a:t>2/26/2018</a:t>
             </a:fld>
             <a:endParaRPr lang="en-US" dirty="0"/>
           </a:p>
@@ -2882,7 +2882,7 @@
     </p:spTree>
     <p:extLst>
       <p:ext uri="{BB962C8B-B14F-4D97-AF65-F5344CB8AC3E}">
-        <p14:creationId xmlns:p14="http://schemas.microsoft.com/office/powerpoint/2010/main" val="3648480235"/>
+        <p14:creationId xmlns:p14="http://schemas.microsoft.com/office/powerpoint/2010/main" xmlns="" val="3648480235"/>
       </p:ext>
     </p:extLst>
   </p:cSld>
@@ -3008,7 +3008,7 @@
             <a:fld id="{48A87A34-81AB-432B-8DAE-1953F412C126}" type="datetimeFigureOut">
               <a:rPr lang="en-US" smtClean="0"/>
               <a:pPr/>
-              <a:t>12/15/2017</a:t>
+              <a:t>2/26/2018</a:t>
             </a:fld>
             <a:endParaRPr lang="en-US" dirty="0"/>
           </a:p>
@@ -3060,7 +3060,7 @@
     </p:spTree>
     <p:extLst>
       <p:ext uri="{BB962C8B-B14F-4D97-AF65-F5344CB8AC3E}">
-        <p14:creationId xmlns:p14="http://schemas.microsoft.com/office/powerpoint/2010/main" val="2649633687"/>
+        <p14:creationId xmlns:p14="http://schemas.microsoft.com/office/powerpoint/2010/main" xmlns="" val="2649633687"/>
       </p:ext>
     </p:extLst>
   </p:cSld>
@@ -3257,7 +3257,7 @@
             <a:fld id="{48A87A34-81AB-432B-8DAE-1953F412C126}" type="datetimeFigureOut">
               <a:rPr lang="en-US" smtClean="0"/>
               <a:pPr/>
-              <a:t>12/15/2017</a:t>
+              <a:t>2/26/2018</a:t>
             </a:fld>
             <a:endParaRPr lang="en-US" dirty="0"/>
           </a:p>
@@ -3309,7 +3309,7 @@
     </p:spTree>
     <p:extLst>
       <p:ext uri="{BB962C8B-B14F-4D97-AF65-F5344CB8AC3E}">
-        <p14:creationId xmlns:p14="http://schemas.microsoft.com/office/powerpoint/2010/main" val="572893903"/>
+        <p14:creationId xmlns:p14="http://schemas.microsoft.com/office/powerpoint/2010/main" xmlns="" val="572893903"/>
       </p:ext>
     </p:extLst>
   </p:cSld>
@@ -3491,7 +3491,7 @@
             <a:fld id="{48A87A34-81AB-432B-8DAE-1953F412C126}" type="datetimeFigureOut">
               <a:rPr lang="en-US" smtClean="0"/>
               <a:pPr/>
-              <a:t>12/15/2017</a:t>
+              <a:t>2/26/2018</a:t>
             </a:fld>
             <a:endParaRPr lang="en-US" dirty="0"/>
           </a:p>
@@ -3543,7 +3543,7 @@
     </p:spTree>
     <p:extLst>
       <p:ext uri="{BB962C8B-B14F-4D97-AF65-F5344CB8AC3E}">
-        <p14:creationId xmlns:p14="http://schemas.microsoft.com/office/powerpoint/2010/main" val="3918475607"/>
+        <p14:creationId xmlns:p14="http://schemas.microsoft.com/office/powerpoint/2010/main" xmlns="" val="3918475607"/>
       </p:ext>
     </p:extLst>
   </p:cSld>
@@ -3867,7 +3867,7 @@
             <a:fld id="{48A87A34-81AB-432B-8DAE-1953F412C126}" type="datetimeFigureOut">
               <a:rPr lang="en-US" smtClean="0"/>
               <a:pPr/>
-              <a:t>12/15/2017</a:t>
+              <a:t>2/26/2018</a:t>
             </a:fld>
             <a:endParaRPr lang="en-US" dirty="0"/>
           </a:p>
@@ -3919,7 +3919,7 @@
     </p:spTree>
     <p:extLst>
       <p:ext uri="{BB962C8B-B14F-4D97-AF65-F5344CB8AC3E}">
-        <p14:creationId xmlns:p14="http://schemas.microsoft.com/office/powerpoint/2010/main" val="70569158"/>
+        <p14:creationId xmlns:p14="http://schemas.microsoft.com/office/powerpoint/2010/main" xmlns="" val="70569158"/>
       </p:ext>
     </p:extLst>
   </p:cSld>
@@ -3992,7 +3992,7 @@
             <a:fld id="{48A87A34-81AB-432B-8DAE-1953F412C126}" type="datetimeFigureOut">
               <a:rPr lang="en-US" smtClean="0"/>
               <a:pPr/>
-              <a:t>12/15/2017</a:t>
+              <a:t>2/26/2018</a:t>
             </a:fld>
             <a:endParaRPr lang="en-US" dirty="0"/>
           </a:p>
@@ -4044,7 +4044,7 @@
     </p:spTree>
     <p:extLst>
       <p:ext uri="{BB962C8B-B14F-4D97-AF65-F5344CB8AC3E}">
-        <p14:creationId xmlns:p14="http://schemas.microsoft.com/office/powerpoint/2010/main" val="3956773614"/>
+        <p14:creationId xmlns:p14="http://schemas.microsoft.com/office/powerpoint/2010/main" xmlns="" val="3956773614"/>
       </p:ext>
     </p:extLst>
   </p:cSld>
@@ -4089,7 +4089,7 @@
             <a:fld id="{48A87A34-81AB-432B-8DAE-1953F412C126}" type="datetimeFigureOut">
               <a:rPr lang="en-US" smtClean="0"/>
               <a:pPr/>
-              <a:t>12/15/2017</a:t>
+              <a:t>2/26/2018</a:t>
             </a:fld>
             <a:endParaRPr lang="en-US" dirty="0"/>
           </a:p>
@@ -4141,7 +4141,7 @@
     </p:spTree>
     <p:extLst>
       <p:ext uri="{BB962C8B-B14F-4D97-AF65-F5344CB8AC3E}">
-        <p14:creationId xmlns:p14="http://schemas.microsoft.com/office/powerpoint/2010/main" val="843387325"/>
+        <p14:creationId xmlns:p14="http://schemas.microsoft.com/office/powerpoint/2010/main" xmlns="" val="843387325"/>
       </p:ext>
     </p:extLst>
   </p:cSld>
@@ -4346,7 +4346,7 @@
             <a:fld id="{48A87A34-81AB-432B-8DAE-1953F412C126}" type="datetimeFigureOut">
               <a:rPr lang="en-US" smtClean="0"/>
               <a:pPr/>
-              <a:t>12/15/2017</a:t>
+              <a:t>2/26/2018</a:t>
             </a:fld>
             <a:endParaRPr lang="en-US" dirty="0"/>
           </a:p>
@@ -4398,7 +4398,7 @@
     </p:spTree>
     <p:extLst>
       <p:ext uri="{BB962C8B-B14F-4D97-AF65-F5344CB8AC3E}">
-        <p14:creationId xmlns:p14="http://schemas.microsoft.com/office/powerpoint/2010/main" val="614752468"/>
+        <p14:creationId xmlns:p14="http://schemas.microsoft.com/office/powerpoint/2010/main" xmlns="" val="614752468"/>
       </p:ext>
     </p:extLst>
   </p:cSld>
@@ -4611,7 +4611,7 @@
             <a:fld id="{48A87A34-81AB-432B-8DAE-1953F412C126}" type="datetimeFigureOut">
               <a:rPr lang="en-US" smtClean="0"/>
               <a:pPr/>
-              <a:t>12/15/2017</a:t>
+              <a:t>2/26/2018</a:t>
             </a:fld>
             <a:endParaRPr lang="en-US" dirty="0"/>
           </a:p>
@@ -4663,7 +4663,7 @@
     </p:spTree>
     <p:extLst>
       <p:ext uri="{BB962C8B-B14F-4D97-AF65-F5344CB8AC3E}">
-        <p14:creationId xmlns:p14="http://schemas.microsoft.com/office/powerpoint/2010/main" val="2525773852"/>
+        <p14:creationId xmlns:p14="http://schemas.microsoft.com/office/powerpoint/2010/main" xmlns="" val="2525773852"/>
       </p:ext>
     </p:extLst>
   </p:cSld>
@@ -5356,7 +5356,7 @@
             <a:fld id="{48A87A34-81AB-432B-8DAE-1953F412C126}" type="datetimeFigureOut">
               <a:rPr lang="en-US" smtClean="0"/>
               <a:pPr/>
-              <a:t>12/15/2017</a:t>
+              <a:t>2/26/2018</a:t>
             </a:fld>
             <a:endParaRPr lang="en-US" dirty="0"/>
           </a:p>
@@ -5442,7 +5442,7 @@
     </p:spTree>
     <p:extLst>
       <p:ext uri="{BB962C8B-B14F-4D97-AF65-F5344CB8AC3E}">
-        <p14:creationId xmlns:p14="http://schemas.microsoft.com/office/powerpoint/2010/main" val="2849168193"/>
+        <p14:creationId xmlns:p14="http://schemas.microsoft.com/office/powerpoint/2010/main" xmlns="" val="2849168193"/>
       </p:ext>
     </p:extLst>
   </p:cSld>
@@ -5963,7 +5963,7 @@
     </p:spTree>
     <p:extLst>
       <p:ext uri="{BB962C8B-B14F-4D97-AF65-F5344CB8AC3E}">
-        <p14:creationId xmlns:p14="http://schemas.microsoft.com/office/powerpoint/2010/main" val="1597654807"/>
+        <p14:creationId xmlns:p14="http://schemas.microsoft.com/office/powerpoint/2010/main" xmlns="" val="1597654807"/>
       </p:ext>
     </p:extLst>
   </p:cSld>
@@ -6131,14 +6131,7 @@
                 <a:latin typeface="Ara Hamah Alislam" panose="00000500000000000000" pitchFamily="2" charset="-78"/>
                 <a:cs typeface="Ara Hamah Alislam" panose="00000500000000000000" pitchFamily="2" charset="-78"/>
               </a:rPr>
-              <a:t>هيا لنبن</a:t>
-            </a:r>
-            <a:r>
-              <a:rPr lang="ar-EG" sz="5400" dirty="0" smtClean="0">
-                <a:latin typeface="Ara Hamah Alislam" panose="00000500000000000000" pitchFamily="2" charset="-78"/>
-                <a:cs typeface="Ara Hamah Alislam" panose="00000500000000000000" pitchFamily="2" charset="-78"/>
-              </a:rPr>
-              <a:t>ي روبوت</a:t>
+              <a:t>هيا لنبني روبوت</a:t>
             </a:r>
             <a:r>
               <a:rPr lang="he-IL" sz="5400" dirty="0" smtClean="0">
@@ -6146,9 +6139,6 @@
               </a:rPr>
               <a:t>!</a:t>
             </a:r>
-            <a:endParaRPr lang="he-IL" sz="5400" dirty="0" smtClean="0">
-              <a:latin typeface="Ara Hamah Alislam" panose="00000500000000000000" pitchFamily="2" charset="-78"/>
-            </a:endParaRPr>
           </a:p>
           <a:p>
             <a:r>
@@ -6173,7 +6163,7 @@
     </p:spTree>
     <p:extLst>
       <p:ext uri="{BB962C8B-B14F-4D97-AF65-F5344CB8AC3E}">
-        <p14:creationId xmlns:p14="http://schemas.microsoft.com/office/powerpoint/2010/main" val="2508929371"/>
+        <p14:creationId xmlns:p14="http://schemas.microsoft.com/office/powerpoint/2010/main" xmlns="" val="2508929371"/>
       </p:ext>
     </p:extLst>
   </p:cSld>
@@ -6256,7 +6246,7 @@
         </p:spPr>
         <p:txBody>
           <a:bodyPr>
-            <a:normAutofit/>
+            <a:normAutofit fontScale="92500"/>
           </a:bodyPr>
           <a:lstStyle/>
           <a:p>
@@ -6269,7 +6259,21 @@
                 <a:latin typeface="Ara Hamah Alislam" panose="00000500000000000000" pitchFamily="2" charset="-78"/>
                 <a:cs typeface="Ara Hamah Alislam" panose="00000500000000000000" pitchFamily="2" charset="-78"/>
               </a:rPr>
-              <a:t>الأنظمة الروبوتية وأنواع الروبوتات </a:t>
+              <a:t>الأنظمة الروبوتية وأنواع </a:t>
+            </a:r>
+            <a:r>
+              <a:rPr lang="ar-EG" sz="5200" dirty="0" smtClean="0">
+                <a:latin typeface="Ara Hamah Alislam" panose="00000500000000000000" pitchFamily="2" charset="-78"/>
+                <a:cs typeface="Ara Hamah Alislam" panose="00000500000000000000" pitchFamily="2" charset="-78"/>
+              </a:rPr>
+              <a:t>الروبوتات</a:t>
+            </a:r>
+            <a:r>
+              <a:rPr lang="ar-EG" sz="6000" dirty="0" smtClean="0">
+                <a:latin typeface="Ara Hamah Alislam" panose="00000500000000000000" pitchFamily="2" charset="-78"/>
+                <a:cs typeface="Ara Hamah Alislam" panose="00000500000000000000" pitchFamily="2" charset="-78"/>
+              </a:rPr>
+              <a:t> </a:t>
             </a:r>
             <a:endParaRPr lang="he-IL" sz="6000" dirty="0" smtClean="0">
               <a:latin typeface="Ara Hamah Alislam" panose="00000500000000000000" pitchFamily="2" charset="-78"/>
@@ -6316,7 +6320,7 @@
     </p:spTree>
     <p:extLst>
       <p:ext uri="{BB962C8B-B14F-4D97-AF65-F5344CB8AC3E}">
-        <p14:creationId xmlns:p14="http://schemas.microsoft.com/office/powerpoint/2010/main" val="2508929371"/>
+        <p14:creationId xmlns:p14="http://schemas.microsoft.com/office/powerpoint/2010/main" xmlns="" val="2508929371"/>
       </p:ext>
     </p:extLst>
   </p:cSld>
@@ -6398,8 +6402,8 @@
         </p:nvSpPr>
         <p:spPr>
           <a:xfrm>
-            <a:off x="-936172" y="459692"/>
-            <a:ext cx="11821885" cy="6410440"/>
+            <a:off x="0" y="962024"/>
+            <a:ext cx="9477375" cy="5895975"/>
           </a:xfrm>
         </p:spPr>
         <p:txBody>
@@ -6409,145 +6413,110 @@
           <a:lstStyle/>
           <a:p>
             <a:r>
-              <a:rPr lang="he-IL" sz="4800" dirty="0" smtClean="0"/>
+              <a:rPr lang="he-IL" sz="4000" dirty="0" smtClean="0"/>
               <a:t> </a:t>
             </a:r>
             <a:r>
-              <a:rPr lang="ar-EG" sz="4800" dirty="0" smtClean="0">
+              <a:rPr lang="ar-EG" sz="4000" dirty="0" smtClean="0">
                 <a:latin typeface="Ara Hamah Alislam" panose="00000500000000000000" pitchFamily="2" charset="-78"/>
                 <a:cs typeface="Ara Hamah Alislam" panose="00000500000000000000" pitchFamily="2" charset="-78"/>
               </a:rPr>
               <a:t>ما هو النظام؟ </a:t>
             </a:r>
-            <a:endParaRPr lang="he-IL" sz="4800" dirty="0" smtClean="0">
+            <a:endParaRPr lang="he-IL" sz="4000" dirty="0" smtClean="0">
               <a:latin typeface="Ara Hamah Alislam" panose="00000500000000000000" pitchFamily="2" charset="-78"/>
             </a:endParaRPr>
           </a:p>
           <a:p>
             <a:pPr lvl="1"/>
+            <a:r>
+              <a:rPr lang="ar-EG" sz="3200" dirty="0" smtClean="0">
+                <a:latin typeface="Ara Hamah Alislam" panose="00000500000000000000" pitchFamily="2" charset="-78"/>
+                <a:cs typeface="Ara Hamah Alislam" panose="00000500000000000000" pitchFamily="2" charset="-78"/>
+              </a:rPr>
+              <a:t>تعريف – مجموعة مركبات تعمل بتعاون لتنفيذ هدف النظام</a:t>
+            </a:r>
+            <a:endParaRPr lang="he-IL" sz="3200" dirty="0" smtClean="0">
+              <a:latin typeface="Ara Hamah Alislam" panose="00000500000000000000" pitchFamily="2" charset="-78"/>
+            </a:endParaRPr>
+          </a:p>
+          <a:p>
+            <a:r>
+              <a:rPr lang="he-IL" sz="4000" dirty="0" smtClean="0">
+                <a:latin typeface="Ara Hamah Alislam" panose="00000500000000000000" pitchFamily="2" charset="-78"/>
+              </a:rPr>
+              <a:t> </a:t>
+            </a:r>
             <a:r>
               <a:rPr lang="ar-EG" sz="4000" dirty="0" smtClean="0">
                 <a:latin typeface="Ara Hamah Alislam" panose="00000500000000000000" pitchFamily="2" charset="-78"/>
                 <a:cs typeface="Ara Hamah Alislam" panose="00000500000000000000" pitchFamily="2" charset="-78"/>
               </a:rPr>
-              <a:t>تعريف – </a:t>
+              <a:t>ما هي الأنظمة التي تعرفونها </a:t>
+            </a:r>
+            <a:r>
+              <a:rPr lang="he-IL" sz="4000" dirty="0" smtClean="0">
+                <a:latin typeface="Ara Hamah Alislam" panose="00000500000000000000" pitchFamily="2" charset="-78"/>
+              </a:rPr>
+              <a:t>?</a:t>
+            </a:r>
+          </a:p>
+          <a:p>
+            <a:pPr lvl="1"/>
+            <a:r>
+              <a:rPr lang="ar-EG" sz="3200" dirty="0" smtClean="0">
+                <a:latin typeface="Ara Hamah Alislam" panose="00000500000000000000" pitchFamily="2" charset="-78"/>
+                <a:cs typeface="Ara Hamah Alislam" panose="00000500000000000000" pitchFamily="2" charset="-78"/>
+              </a:rPr>
+              <a:t> امثلة : نظام الوقود في السيارة, جهاز الغسالة</a:t>
+            </a:r>
+            <a:endParaRPr lang="he-IL" sz="3200" dirty="0" smtClean="0">
+              <a:latin typeface="Ara Hamah Alislam" panose="00000500000000000000" pitchFamily="2" charset="-78"/>
+            </a:endParaRPr>
+          </a:p>
+          <a:p>
+            <a:r>
+              <a:rPr lang="he-IL" sz="4000" dirty="0" smtClean="0">
+                <a:latin typeface="Ara Hamah Alislam" panose="00000500000000000000" pitchFamily="2" charset="-78"/>
+              </a:rPr>
+              <a:t> </a:t>
             </a:r>
             <a:r>
               <a:rPr lang="ar-EG" sz="4000" dirty="0" smtClean="0">
                 <a:latin typeface="Ara Hamah Alislam" panose="00000500000000000000" pitchFamily="2" charset="-78"/>
                 <a:cs typeface="Ara Hamah Alislam" panose="00000500000000000000" pitchFamily="2" charset="-78"/>
               </a:rPr>
-              <a:t>مجموعة مركبات تعمل بتعاون لتنفيذ هدف النظام</a:t>
-            </a:r>
-            <a:endParaRPr lang="he-IL" sz="4000" dirty="0" smtClean="0">
-              <a:latin typeface="Ara Hamah Alislam" panose="00000500000000000000" pitchFamily="2" charset="-78"/>
-            </a:endParaRPr>
-          </a:p>
-          <a:p>
-            <a:r>
-              <a:rPr lang="he-IL" sz="4800" dirty="0" smtClean="0">
-                <a:latin typeface="Ara Hamah Alislam" panose="00000500000000000000" pitchFamily="2" charset="-78"/>
-              </a:rPr>
-              <a:t> </a:t>
-            </a:r>
-            <a:r>
-              <a:rPr lang="ar-EG" sz="4800" dirty="0" smtClean="0">
-                <a:latin typeface="Ara Hamah Alislam" panose="00000500000000000000" pitchFamily="2" charset="-78"/>
-                <a:cs typeface="Ara Hamah Alislam" panose="00000500000000000000" pitchFamily="2" charset="-78"/>
-              </a:rPr>
-              <a:t>ما هي الأ</a:t>
-            </a:r>
-            <a:r>
-              <a:rPr lang="ar-EG" sz="4800" dirty="0" smtClean="0">
-                <a:latin typeface="Ara Hamah Alislam" panose="00000500000000000000" pitchFamily="2" charset="-78"/>
-                <a:cs typeface="Ara Hamah Alislam" panose="00000500000000000000" pitchFamily="2" charset="-78"/>
-              </a:rPr>
-              <a:t>نظمة التي تعرفونها </a:t>
-            </a:r>
-            <a:r>
-              <a:rPr lang="he-IL" sz="4800" dirty="0" smtClean="0">
-                <a:latin typeface="Ara Hamah Alislam" panose="00000500000000000000" pitchFamily="2" charset="-78"/>
-              </a:rPr>
-              <a:t>?</a:t>
-            </a:r>
-          </a:p>
-          <a:p>
-            <a:pPr lvl="1"/>
-            <a:r>
-              <a:rPr lang="ar-EG" sz="4000" dirty="0" smtClean="0">
-                <a:latin typeface="Ara Hamah Alislam" panose="00000500000000000000" pitchFamily="2" charset="-78"/>
-                <a:cs typeface="Ara Hamah Alislam" panose="00000500000000000000" pitchFamily="2" charset="-78"/>
-              </a:rPr>
-              <a:t> ام</a:t>
-            </a:r>
-            <a:r>
-              <a:rPr lang="ar-EG" sz="4000" dirty="0" smtClean="0">
-                <a:latin typeface="Ara Hamah Alislam" panose="00000500000000000000" pitchFamily="2" charset="-78"/>
-                <a:cs typeface="Ara Hamah Alislam" panose="00000500000000000000" pitchFamily="2" charset="-78"/>
-              </a:rPr>
-              <a:t>ثلة : نظام الوقود في السيارة, جهاز الغسالة</a:t>
-            </a:r>
-            <a:endParaRPr lang="he-IL" sz="4000" dirty="0" smtClean="0">
-              <a:latin typeface="Ara Hamah Alislam" panose="00000500000000000000" pitchFamily="2" charset="-78"/>
-            </a:endParaRPr>
-          </a:p>
-          <a:p>
-            <a:r>
-              <a:rPr lang="he-IL" sz="4800" dirty="0" smtClean="0">
-                <a:latin typeface="Ara Hamah Alislam" panose="00000500000000000000" pitchFamily="2" charset="-78"/>
-              </a:rPr>
-              <a:t> </a:t>
-            </a:r>
-            <a:r>
-              <a:rPr lang="ar-EG" sz="4800" dirty="0" smtClean="0">
-                <a:latin typeface="Ara Hamah Alislam" panose="00000500000000000000" pitchFamily="2" charset="-78"/>
-                <a:cs typeface="Ara Hamah Alislam" panose="00000500000000000000" pitchFamily="2" charset="-78"/>
-              </a:rPr>
-              <a:t>المشترك لجميع ال</a:t>
-            </a:r>
-            <a:r>
-              <a:rPr lang="ar-EG" sz="4800" dirty="0" smtClean="0">
-                <a:latin typeface="Ara Hamah Alislam" panose="00000500000000000000" pitchFamily="2" charset="-78"/>
-                <a:cs typeface="Ara Hamah Alislam" panose="00000500000000000000" pitchFamily="2" charset="-78"/>
-              </a:rPr>
-              <a:t>أنظمة: مبدأ ادخال البيانات (المُدخل)  – المعالج – البيانات الناتجة (المُخرج)</a:t>
-            </a:r>
-          </a:p>
-          <a:p>
-            <a:r>
-              <a:rPr lang="ar-EG" sz="4000" dirty="0" smtClean="0">
+              <a:t>المشترك لجميع الأنظمة: مبدأ ادخال البيانات (المُدخل)  – المعالج – البيانات الناتجة (المُخرج)</a:t>
+            </a:r>
+          </a:p>
+          <a:p>
+            <a:r>
+              <a:rPr lang="ar-EG" sz="3200" dirty="0" smtClean="0">
                 <a:latin typeface="Ara Hamah Alislam" panose="00000500000000000000" pitchFamily="2" charset="-78"/>
                 <a:cs typeface="Ara Hamah Alislam" panose="00000500000000000000" pitchFamily="2" charset="-78"/>
               </a:rPr>
               <a:t>تعريفات</a:t>
             </a:r>
             <a:r>
-              <a:rPr lang="ar-EG" sz="4800" dirty="0" smtClean="0">
+              <a:rPr lang="ar-EG" sz="4000" dirty="0" smtClean="0">
                 <a:latin typeface="Ara Hamah Alislam" panose="00000500000000000000" pitchFamily="2" charset="-78"/>
               </a:rPr>
               <a:t> </a:t>
             </a:r>
-            <a:endParaRPr lang="he-IL" sz="4800" dirty="0" smtClean="0">
+            <a:endParaRPr lang="he-IL" sz="4000" dirty="0" smtClean="0">
               <a:latin typeface="Ara Hamah Alislam" panose="00000500000000000000" pitchFamily="2" charset="-78"/>
             </a:endParaRPr>
           </a:p>
           <a:p>
             <a:pPr lvl="1"/>
             <a:r>
-              <a:rPr lang="ar-EG" sz="4000" dirty="0" smtClean="0">
+              <a:rPr lang="ar-EG" sz="3200" dirty="0" smtClean="0">
                 <a:latin typeface="Ara Hamah Alislam" panose="00000500000000000000" pitchFamily="2" charset="-78"/>
                 <a:cs typeface="Ara Hamah Alislam" panose="00000500000000000000" pitchFamily="2" charset="-78"/>
               </a:rPr>
-              <a:t>ما هي وسائل المُدخل والمُ</a:t>
-            </a:r>
-            <a:r>
-              <a:rPr lang="ar-EG" sz="4000" dirty="0" smtClean="0">
-                <a:latin typeface="Ara Hamah Alislam" panose="00000500000000000000" pitchFamily="2" charset="-78"/>
-                <a:cs typeface="Ara Hamah Alislam" panose="00000500000000000000" pitchFamily="2" charset="-78"/>
-              </a:rPr>
-              <a:t>خرج في الأنظمة التي ذكرناها؟</a:t>
-            </a:r>
-            <a:endParaRPr lang="he-IL" sz="4000" dirty="0">
+              <a:t>ما هي وسائل المُدخل والمُخرج في الأنظمة التي ذكرناها؟</a:t>
+            </a:r>
+            <a:endParaRPr lang="he-IL" sz="3200" dirty="0">
               <a:latin typeface="Ara Hamah Alislam" panose="00000500000000000000" pitchFamily="2" charset="-78"/>
             </a:endParaRPr>
           </a:p>
@@ -6556,7 +6525,7 @@
     </p:spTree>
     <p:extLst>
       <p:ext uri="{BB962C8B-B14F-4D97-AF65-F5344CB8AC3E}">
-        <p14:creationId xmlns:p14="http://schemas.microsoft.com/office/powerpoint/2010/main" val="2508929371"/>
+        <p14:creationId xmlns:p14="http://schemas.microsoft.com/office/powerpoint/2010/main" xmlns="" val="2508929371"/>
       </p:ext>
     </p:extLst>
   </p:cSld>
@@ -6671,40 +6640,20 @@
                 <a:latin typeface="Ara Hamah Alislam" panose="00000500000000000000" pitchFamily="2" charset="-78"/>
                 <a:cs typeface="Ara Hamah Alislam" panose="00000500000000000000" pitchFamily="2" charset="-78"/>
               </a:rPr>
-              <a:t>المُد</a:t>
+              <a:t>المُدخل</a:t>
+            </a:r>
+            <a:r>
+              <a:rPr lang="he-IL" sz="4800" dirty="0" smtClean="0">
+                <a:latin typeface="Ara Hamah Alislam" panose="00000500000000000000" pitchFamily="2" charset="-78"/>
+              </a:rPr>
+              <a:t> – </a:t>
             </a:r>
             <a:r>
               <a:rPr lang="ar-EG" sz="4800" dirty="0" smtClean="0">
                 <a:latin typeface="Ara Hamah Alislam" panose="00000500000000000000" pitchFamily="2" charset="-78"/>
                 <a:cs typeface="Ara Hamah Alislam" panose="00000500000000000000" pitchFamily="2" charset="-78"/>
               </a:rPr>
-              <a:t>خل</a:t>
-            </a:r>
-            <a:r>
-              <a:rPr lang="he-IL" sz="4800" dirty="0" smtClean="0">
-                <a:latin typeface="Ara Hamah Alislam" panose="00000500000000000000" pitchFamily="2" charset="-78"/>
-              </a:rPr>
-              <a:t> </a:t>
-            </a:r>
-            <a:r>
-              <a:rPr lang="he-IL" sz="4800" dirty="0" smtClean="0">
-                <a:latin typeface="Ara Hamah Alislam" panose="00000500000000000000" pitchFamily="2" charset="-78"/>
-              </a:rPr>
-              <a:t>– </a:t>
-            </a:r>
-            <a:r>
-              <a:rPr lang="ar-EG" sz="4800" dirty="0" smtClean="0">
-                <a:latin typeface="Ara Hamah Alislam" panose="00000500000000000000" pitchFamily="2" charset="-78"/>
-                <a:cs typeface="Ara Hamah Alislam" panose="00000500000000000000" pitchFamily="2" charset="-78"/>
-              </a:rPr>
-              <a:t>الم</a:t>
-            </a:r>
-            <a:r>
-              <a:rPr lang="ar-EG" sz="4800" dirty="0" smtClean="0">
-                <a:latin typeface="Ara Hamah Alislam" panose="00000500000000000000" pitchFamily="2" charset="-78"/>
-                <a:cs typeface="Ara Hamah Alislam" panose="00000500000000000000" pitchFamily="2" charset="-78"/>
-              </a:rPr>
-              <a:t>عالج - المُخرج</a:t>
+              <a:t>المعالج - المُخرج</a:t>
             </a:r>
             <a:r>
               <a:rPr lang="he-IL" sz="4800" dirty="0" smtClean="0">
@@ -6730,7 +6679,7 @@
           <a:blip r:embed="rId2">
             <a:extLst>
               <a:ext uri="{28A0092B-C50C-407E-A947-70E740481C1C}">
-                <a14:useLocalDpi xmlns:a14="http://schemas.microsoft.com/office/drawing/2010/main" val="0"/>
+                <a14:useLocalDpi xmlns:a14="http://schemas.microsoft.com/office/drawing/2010/main" xmlns="" val="0"/>
               </a:ext>
             </a:extLst>
           </a:blip>
@@ -6751,7 +6700,7 @@
     </p:spTree>
     <p:extLst>
       <p:ext uri="{BB962C8B-B14F-4D97-AF65-F5344CB8AC3E}">
-        <p14:creationId xmlns:p14="http://schemas.microsoft.com/office/powerpoint/2010/main" val="2508929371"/>
+        <p14:creationId xmlns:p14="http://schemas.microsoft.com/office/powerpoint/2010/main" xmlns="" val="2508929371"/>
       </p:ext>
     </p:extLst>
   </p:cSld>
@@ -6868,9 +6817,6 @@
               </a:rPr>
               <a:t> </a:t>
             </a:r>
-            <a:endParaRPr lang="he-IL" sz="4000" dirty="0">
-              <a:latin typeface="Ara Hamah Alislam" panose="00000500000000000000" pitchFamily="2" charset="-78"/>
-            </a:endParaRPr>
           </a:p>
         </p:txBody>
       </p:sp>
@@ -6886,7 +6832,7 @@
           <a:blip r:embed="rId2" cstate="print">
             <a:extLst>
               <a:ext uri="{28A0092B-C50C-407E-A947-70E740481C1C}">
-                <a14:useLocalDpi xmlns:a14="http://schemas.microsoft.com/office/drawing/2010/main" val="0"/>
+                <a14:useLocalDpi xmlns:a14="http://schemas.microsoft.com/office/drawing/2010/main" xmlns="" val="0"/>
               </a:ext>
             </a:extLst>
           </a:blip>
@@ -6909,14 +6855,14 @@
           </a:ln>
           <a:extLst>
             <a:ext uri="{909E8E84-426E-40DD-AFC4-6F175D3DCCD1}">
-              <a14:hiddenFill xmlns:a14="http://schemas.microsoft.com/office/drawing/2010/main">
+              <a14:hiddenFill xmlns:a14="http://schemas.microsoft.com/office/drawing/2010/main" xmlns="">
                 <a:solidFill>
                   <a:srgbClr val="FFFFFF"/>
                 </a:solidFill>
               </a14:hiddenFill>
             </a:ext>
             <a:ext uri="{91240B29-F687-4F45-9708-019B960494DF}">
-              <a14:hiddenLine xmlns:a14="http://schemas.microsoft.com/office/drawing/2010/main" w="9525">
+              <a14:hiddenLine xmlns:a14="http://schemas.microsoft.com/office/drawing/2010/main" xmlns="" w="9525">
                 <a:solidFill>
                   <a:srgbClr val="000000"/>
                 </a:solidFill>
@@ -6931,7 +6877,7 @@
     </p:spTree>
     <p:extLst>
       <p:ext uri="{BB962C8B-B14F-4D97-AF65-F5344CB8AC3E}">
-        <p14:creationId xmlns:p14="http://schemas.microsoft.com/office/powerpoint/2010/main" val="2508929371"/>
+        <p14:creationId xmlns:p14="http://schemas.microsoft.com/office/powerpoint/2010/main" xmlns="" val="2508929371"/>
       </p:ext>
     </p:extLst>
   </p:cSld>
@@ -7089,7 +7035,7 @@
     </p:spTree>
     <p:extLst>
       <p:ext uri="{BB962C8B-B14F-4D97-AF65-F5344CB8AC3E}">
-        <p14:creationId xmlns:p14="http://schemas.microsoft.com/office/powerpoint/2010/main" val="2508929371"/>
+        <p14:creationId xmlns:p14="http://schemas.microsoft.com/office/powerpoint/2010/main" xmlns="" val="2508929371"/>
       </p:ext>
     </p:extLst>
   </p:cSld>
@@ -7232,7 +7178,7 @@
     </p:spTree>
     <p:extLst>
       <p:ext uri="{BB962C8B-B14F-4D97-AF65-F5344CB8AC3E}">
-        <p14:creationId xmlns:p14="http://schemas.microsoft.com/office/powerpoint/2010/main" val="2508929371"/>
+        <p14:creationId xmlns:p14="http://schemas.microsoft.com/office/powerpoint/2010/main" xmlns="" val="2508929371"/>
       </p:ext>
     </p:extLst>
   </p:cSld>
@@ -7500,7 +7446,7 @@
   <a:extraClrSchemeLst/>
   <a:extLst>
     <a:ext uri="{05A4C25C-085E-4340-85A3-A5531E510DB2}">
-      <thm15:themeFamily xmlns:thm15="http://schemas.microsoft.com/office/thememl/2012/main" name="Facet" id="{C0C680CD-088A-49FC-A102-D699147F32B2}" vid="{CFBC31BA-B70F-4F30-BCAA-4F3011E16C4D}"/>
+      <thm15:themeFamily xmlns:thm15="http://schemas.microsoft.com/office/thememl/2012/main" xmlns="" name="Facet" id="{C0C680CD-088A-49FC-A102-D699147F32B2}" vid="{CFBC31BA-B70F-4F30-BCAA-4F3011E16C4D}"/>
     </a:ext>
   </a:extLst>
 </a:theme>

--- a/src/ppt2_ar.pptx
+++ b/src/ppt2_ar.pptx
@@ -113,7 +113,7 @@
   </p:defaultTextStyle>
   <p:extLst>
     <p:ext uri="{EFAFB233-063F-42B5-8137-9DF3F51BA10A}">
-      <p15:sldGuideLst xmlns:p15="http://schemas.microsoft.com/office/powerpoint/2012/main" xmlns="">
+      <p15:sldGuideLst xmlns="" xmlns:p15="http://schemas.microsoft.com/office/powerpoint/2012/main">
         <p15:guide id="1" orient="horz" pos="2160">
           <p15:clr>
             <a:srgbClr val="A4A3A4"/>
@@ -853,7 +853,7 @@
             <a:fld id="{48A87A34-81AB-432B-8DAE-1953F412C126}" type="datetimeFigureOut">
               <a:rPr lang="en-US" smtClean="0"/>
               <a:pPr/>
-              <a:t>2/26/2018</a:t>
+              <a:t>5/8/2018</a:t>
             </a:fld>
             <a:endParaRPr lang="en-US" dirty="0"/>
           </a:p>
@@ -905,7 +905,7 @@
     </p:spTree>
     <p:extLst>
       <p:ext uri="{BB962C8B-B14F-4D97-AF65-F5344CB8AC3E}">
-        <p14:creationId xmlns:p14="http://schemas.microsoft.com/office/powerpoint/2010/main" xmlns="" val="2379700270"/>
+        <p14:creationId xmlns="" xmlns:p14="http://schemas.microsoft.com/office/powerpoint/2010/main" val="2379700270"/>
       </p:ext>
     </p:extLst>
   </p:cSld>
@@ -1106,7 +1106,7 @@
             <a:fld id="{48A87A34-81AB-432B-8DAE-1953F412C126}" type="datetimeFigureOut">
               <a:rPr lang="en-US" smtClean="0"/>
               <a:pPr/>
-              <a:t>2/26/2018</a:t>
+              <a:t>5/8/2018</a:t>
             </a:fld>
             <a:endParaRPr lang="en-US" dirty="0"/>
           </a:p>
@@ -1158,7 +1158,7 @@
     </p:spTree>
     <p:extLst>
       <p:ext uri="{BB962C8B-B14F-4D97-AF65-F5344CB8AC3E}">
-        <p14:creationId xmlns:p14="http://schemas.microsoft.com/office/powerpoint/2010/main" xmlns="" val="1804991245"/>
+        <p14:creationId xmlns="" xmlns:p14="http://schemas.microsoft.com/office/powerpoint/2010/main" val="1804991245"/>
       </p:ext>
     </p:extLst>
   </p:cSld>
@@ -1422,7 +1422,7 @@
             <a:fld id="{48A87A34-81AB-432B-8DAE-1953F412C126}" type="datetimeFigureOut">
               <a:rPr lang="en-US" smtClean="0"/>
               <a:pPr/>
-              <a:t>2/26/2018</a:t>
+              <a:t>5/8/2018</a:t>
             </a:fld>
             <a:endParaRPr lang="en-US" dirty="0"/>
           </a:p>
@@ -1564,7 +1564,7 @@
     </p:spTree>
     <p:extLst>
       <p:ext uri="{BB962C8B-B14F-4D97-AF65-F5344CB8AC3E}">
-        <p14:creationId xmlns:p14="http://schemas.microsoft.com/office/powerpoint/2010/main" xmlns="" val="1473712570"/>
+        <p14:creationId xmlns="" xmlns:p14="http://schemas.microsoft.com/office/powerpoint/2010/main" val="1473712570"/>
       </p:ext>
     </p:extLst>
   </p:cSld>
@@ -1765,7 +1765,7 @@
             <a:fld id="{48A87A34-81AB-432B-8DAE-1953F412C126}" type="datetimeFigureOut">
               <a:rPr lang="en-US" smtClean="0"/>
               <a:pPr/>
-              <a:t>2/26/2018</a:t>
+              <a:t>5/8/2018</a:t>
             </a:fld>
             <a:endParaRPr lang="en-US" dirty="0"/>
           </a:p>
@@ -1817,7 +1817,7 @@
     </p:spTree>
     <p:extLst>
       <p:ext uri="{BB962C8B-B14F-4D97-AF65-F5344CB8AC3E}">
-        <p14:creationId xmlns:p14="http://schemas.microsoft.com/office/powerpoint/2010/main" xmlns="" val="2530574234"/>
+        <p14:creationId xmlns="" xmlns:p14="http://schemas.microsoft.com/office/powerpoint/2010/main" val="2530574234"/>
       </p:ext>
     </p:extLst>
   </p:cSld>
@@ -2081,7 +2081,7 @@
             <a:fld id="{48A87A34-81AB-432B-8DAE-1953F412C126}" type="datetimeFigureOut">
               <a:rPr lang="en-US" smtClean="0"/>
               <a:pPr/>
-              <a:t>2/26/2018</a:t>
+              <a:t>5/8/2018</a:t>
             </a:fld>
             <a:endParaRPr lang="en-US" dirty="0"/>
           </a:p>
@@ -2215,7 +2215,7 @@
     </p:spTree>
     <p:extLst>
       <p:ext uri="{BB962C8B-B14F-4D97-AF65-F5344CB8AC3E}">
-        <p14:creationId xmlns:p14="http://schemas.microsoft.com/office/powerpoint/2010/main" xmlns="" val="1004790222"/>
+        <p14:creationId xmlns="" xmlns:p14="http://schemas.microsoft.com/office/powerpoint/2010/main" val="1004790222"/>
       </p:ext>
     </p:extLst>
   </p:cSld>
@@ -2476,7 +2476,7 @@
             <a:fld id="{48A87A34-81AB-432B-8DAE-1953F412C126}" type="datetimeFigureOut">
               <a:rPr lang="en-US" smtClean="0"/>
               <a:pPr/>
-              <a:t>2/26/2018</a:t>
+              <a:t>5/8/2018</a:t>
             </a:fld>
             <a:endParaRPr lang="en-US" dirty="0"/>
           </a:p>
@@ -2528,7 +2528,7 @@
     </p:spTree>
     <p:extLst>
       <p:ext uri="{BB962C8B-B14F-4D97-AF65-F5344CB8AC3E}">
-        <p14:creationId xmlns:p14="http://schemas.microsoft.com/office/powerpoint/2010/main" xmlns="" val="3328784466"/>
+        <p14:creationId xmlns="" xmlns:p14="http://schemas.microsoft.com/office/powerpoint/2010/main" val="3328784466"/>
       </p:ext>
     </p:extLst>
   </p:cSld>
@@ -2648,7 +2648,7 @@
             <a:fld id="{48A87A34-81AB-432B-8DAE-1953F412C126}" type="datetimeFigureOut">
               <a:rPr lang="en-US" smtClean="0"/>
               <a:pPr/>
-              <a:t>2/26/2018</a:t>
+              <a:t>5/8/2018</a:t>
             </a:fld>
             <a:endParaRPr lang="en-US" dirty="0"/>
           </a:p>
@@ -2700,7 +2700,7 @@
     </p:spTree>
     <p:extLst>
       <p:ext uri="{BB962C8B-B14F-4D97-AF65-F5344CB8AC3E}">
-        <p14:creationId xmlns:p14="http://schemas.microsoft.com/office/powerpoint/2010/main" xmlns="" val="1447070425"/>
+        <p14:creationId xmlns="" xmlns:p14="http://schemas.microsoft.com/office/powerpoint/2010/main" val="1447070425"/>
       </p:ext>
     </p:extLst>
   </p:cSld>
@@ -2830,7 +2830,7 @@
             <a:fld id="{48A87A34-81AB-432B-8DAE-1953F412C126}" type="datetimeFigureOut">
               <a:rPr lang="en-US" smtClean="0"/>
               <a:pPr/>
-              <a:t>2/26/2018</a:t>
+              <a:t>5/8/2018</a:t>
             </a:fld>
             <a:endParaRPr lang="en-US" dirty="0"/>
           </a:p>
@@ -2882,7 +2882,7 @@
     </p:spTree>
     <p:extLst>
       <p:ext uri="{BB962C8B-B14F-4D97-AF65-F5344CB8AC3E}">
-        <p14:creationId xmlns:p14="http://schemas.microsoft.com/office/powerpoint/2010/main" xmlns="" val="3648480235"/>
+        <p14:creationId xmlns="" xmlns:p14="http://schemas.microsoft.com/office/powerpoint/2010/main" val="3648480235"/>
       </p:ext>
     </p:extLst>
   </p:cSld>
@@ -3008,7 +3008,7 @@
             <a:fld id="{48A87A34-81AB-432B-8DAE-1953F412C126}" type="datetimeFigureOut">
               <a:rPr lang="en-US" smtClean="0"/>
               <a:pPr/>
-              <a:t>2/26/2018</a:t>
+              <a:t>5/8/2018</a:t>
             </a:fld>
             <a:endParaRPr lang="en-US" dirty="0"/>
           </a:p>
@@ -3060,7 +3060,7 @@
     </p:spTree>
     <p:extLst>
       <p:ext uri="{BB962C8B-B14F-4D97-AF65-F5344CB8AC3E}">
-        <p14:creationId xmlns:p14="http://schemas.microsoft.com/office/powerpoint/2010/main" xmlns="" val="2649633687"/>
+        <p14:creationId xmlns="" xmlns:p14="http://schemas.microsoft.com/office/powerpoint/2010/main" val="2649633687"/>
       </p:ext>
     </p:extLst>
   </p:cSld>
@@ -3257,7 +3257,7 @@
             <a:fld id="{48A87A34-81AB-432B-8DAE-1953F412C126}" type="datetimeFigureOut">
               <a:rPr lang="en-US" smtClean="0"/>
               <a:pPr/>
-              <a:t>2/26/2018</a:t>
+              <a:t>5/8/2018</a:t>
             </a:fld>
             <a:endParaRPr lang="en-US" dirty="0"/>
           </a:p>
@@ -3309,7 +3309,7 @@
     </p:spTree>
     <p:extLst>
       <p:ext uri="{BB962C8B-B14F-4D97-AF65-F5344CB8AC3E}">
-        <p14:creationId xmlns:p14="http://schemas.microsoft.com/office/powerpoint/2010/main" xmlns="" val="572893903"/>
+        <p14:creationId xmlns="" xmlns:p14="http://schemas.microsoft.com/office/powerpoint/2010/main" val="572893903"/>
       </p:ext>
     </p:extLst>
   </p:cSld>
@@ -3491,7 +3491,7 @@
             <a:fld id="{48A87A34-81AB-432B-8DAE-1953F412C126}" type="datetimeFigureOut">
               <a:rPr lang="en-US" smtClean="0"/>
               <a:pPr/>
-              <a:t>2/26/2018</a:t>
+              <a:t>5/8/2018</a:t>
             </a:fld>
             <a:endParaRPr lang="en-US" dirty="0"/>
           </a:p>
@@ -3543,7 +3543,7 @@
     </p:spTree>
     <p:extLst>
       <p:ext uri="{BB962C8B-B14F-4D97-AF65-F5344CB8AC3E}">
-        <p14:creationId xmlns:p14="http://schemas.microsoft.com/office/powerpoint/2010/main" xmlns="" val="3918475607"/>
+        <p14:creationId xmlns="" xmlns:p14="http://schemas.microsoft.com/office/powerpoint/2010/main" val="3918475607"/>
       </p:ext>
     </p:extLst>
   </p:cSld>
@@ -3867,7 +3867,7 @@
             <a:fld id="{48A87A34-81AB-432B-8DAE-1953F412C126}" type="datetimeFigureOut">
               <a:rPr lang="en-US" smtClean="0"/>
               <a:pPr/>
-              <a:t>2/26/2018</a:t>
+              <a:t>5/8/2018</a:t>
             </a:fld>
             <a:endParaRPr lang="en-US" dirty="0"/>
           </a:p>
@@ -3919,7 +3919,7 @@
     </p:spTree>
     <p:extLst>
       <p:ext uri="{BB962C8B-B14F-4D97-AF65-F5344CB8AC3E}">
-        <p14:creationId xmlns:p14="http://schemas.microsoft.com/office/powerpoint/2010/main" xmlns="" val="70569158"/>
+        <p14:creationId xmlns="" xmlns:p14="http://schemas.microsoft.com/office/powerpoint/2010/main" val="70569158"/>
       </p:ext>
     </p:extLst>
   </p:cSld>
@@ -3992,7 +3992,7 @@
             <a:fld id="{48A87A34-81AB-432B-8DAE-1953F412C126}" type="datetimeFigureOut">
               <a:rPr lang="en-US" smtClean="0"/>
               <a:pPr/>
-              <a:t>2/26/2018</a:t>
+              <a:t>5/8/2018</a:t>
             </a:fld>
             <a:endParaRPr lang="en-US" dirty="0"/>
           </a:p>
@@ -4044,7 +4044,7 @@
     </p:spTree>
     <p:extLst>
       <p:ext uri="{BB962C8B-B14F-4D97-AF65-F5344CB8AC3E}">
-        <p14:creationId xmlns:p14="http://schemas.microsoft.com/office/powerpoint/2010/main" xmlns="" val="3956773614"/>
+        <p14:creationId xmlns="" xmlns:p14="http://schemas.microsoft.com/office/powerpoint/2010/main" val="3956773614"/>
       </p:ext>
     </p:extLst>
   </p:cSld>
@@ -4089,7 +4089,7 @@
             <a:fld id="{48A87A34-81AB-432B-8DAE-1953F412C126}" type="datetimeFigureOut">
               <a:rPr lang="en-US" smtClean="0"/>
               <a:pPr/>
-              <a:t>2/26/2018</a:t>
+              <a:t>5/8/2018</a:t>
             </a:fld>
             <a:endParaRPr lang="en-US" dirty="0"/>
           </a:p>
@@ -4141,7 +4141,7 @@
     </p:spTree>
     <p:extLst>
       <p:ext uri="{BB962C8B-B14F-4D97-AF65-F5344CB8AC3E}">
-        <p14:creationId xmlns:p14="http://schemas.microsoft.com/office/powerpoint/2010/main" xmlns="" val="843387325"/>
+        <p14:creationId xmlns="" xmlns:p14="http://schemas.microsoft.com/office/powerpoint/2010/main" val="843387325"/>
       </p:ext>
     </p:extLst>
   </p:cSld>
@@ -4346,7 +4346,7 @@
             <a:fld id="{48A87A34-81AB-432B-8DAE-1953F412C126}" type="datetimeFigureOut">
               <a:rPr lang="en-US" smtClean="0"/>
               <a:pPr/>
-              <a:t>2/26/2018</a:t>
+              <a:t>5/8/2018</a:t>
             </a:fld>
             <a:endParaRPr lang="en-US" dirty="0"/>
           </a:p>
@@ -4398,7 +4398,7 @@
     </p:spTree>
     <p:extLst>
       <p:ext uri="{BB962C8B-B14F-4D97-AF65-F5344CB8AC3E}">
-        <p14:creationId xmlns:p14="http://schemas.microsoft.com/office/powerpoint/2010/main" xmlns="" val="614752468"/>
+        <p14:creationId xmlns="" xmlns:p14="http://schemas.microsoft.com/office/powerpoint/2010/main" val="614752468"/>
       </p:ext>
     </p:extLst>
   </p:cSld>
@@ -4611,7 +4611,7 @@
             <a:fld id="{48A87A34-81AB-432B-8DAE-1953F412C126}" type="datetimeFigureOut">
               <a:rPr lang="en-US" smtClean="0"/>
               <a:pPr/>
-              <a:t>2/26/2018</a:t>
+              <a:t>5/8/2018</a:t>
             </a:fld>
             <a:endParaRPr lang="en-US" dirty="0"/>
           </a:p>
@@ -4663,7 +4663,7 @@
     </p:spTree>
     <p:extLst>
       <p:ext uri="{BB962C8B-B14F-4D97-AF65-F5344CB8AC3E}">
-        <p14:creationId xmlns:p14="http://schemas.microsoft.com/office/powerpoint/2010/main" xmlns="" val="2525773852"/>
+        <p14:creationId xmlns="" xmlns:p14="http://schemas.microsoft.com/office/powerpoint/2010/main" val="2525773852"/>
       </p:ext>
     </p:extLst>
   </p:cSld>
@@ -5356,7 +5356,7 @@
             <a:fld id="{48A87A34-81AB-432B-8DAE-1953F412C126}" type="datetimeFigureOut">
               <a:rPr lang="en-US" smtClean="0"/>
               <a:pPr/>
-              <a:t>2/26/2018</a:t>
+              <a:t>5/8/2018</a:t>
             </a:fld>
             <a:endParaRPr lang="en-US" dirty="0"/>
           </a:p>
@@ -5442,7 +5442,7 @@
     </p:spTree>
     <p:extLst>
       <p:ext uri="{BB962C8B-B14F-4D97-AF65-F5344CB8AC3E}">
-        <p14:creationId xmlns:p14="http://schemas.microsoft.com/office/powerpoint/2010/main" xmlns="" val="2849168193"/>
+        <p14:creationId xmlns="" xmlns:p14="http://schemas.microsoft.com/office/powerpoint/2010/main" val="2849168193"/>
       </p:ext>
     </p:extLst>
   </p:cSld>
@@ -5963,7 +5963,7 @@
     </p:spTree>
     <p:extLst>
       <p:ext uri="{BB962C8B-B14F-4D97-AF65-F5344CB8AC3E}">
-        <p14:creationId xmlns:p14="http://schemas.microsoft.com/office/powerpoint/2010/main" xmlns="" val="1597654807"/>
+        <p14:creationId xmlns="" xmlns:p14="http://schemas.microsoft.com/office/powerpoint/2010/main" val="1597654807"/>
       </p:ext>
     </p:extLst>
   </p:cSld>
@@ -6163,7 +6163,7 @@
     </p:spTree>
     <p:extLst>
       <p:ext uri="{BB962C8B-B14F-4D97-AF65-F5344CB8AC3E}">
-        <p14:creationId xmlns:p14="http://schemas.microsoft.com/office/powerpoint/2010/main" xmlns="" val="2508929371"/>
+        <p14:creationId xmlns="" xmlns:p14="http://schemas.microsoft.com/office/powerpoint/2010/main" val="2508929371"/>
       </p:ext>
     </p:extLst>
   </p:cSld>
@@ -6320,7 +6320,7 @@
     </p:spTree>
     <p:extLst>
       <p:ext uri="{BB962C8B-B14F-4D97-AF65-F5344CB8AC3E}">
-        <p14:creationId xmlns:p14="http://schemas.microsoft.com/office/powerpoint/2010/main" xmlns="" val="2508929371"/>
+        <p14:creationId xmlns="" xmlns:p14="http://schemas.microsoft.com/office/powerpoint/2010/main" val="2508929371"/>
       </p:ext>
     </p:extLst>
   </p:cSld>
@@ -6525,7 +6525,7 @@
     </p:spTree>
     <p:extLst>
       <p:ext uri="{BB962C8B-B14F-4D97-AF65-F5344CB8AC3E}">
-        <p14:creationId xmlns:p14="http://schemas.microsoft.com/office/powerpoint/2010/main" xmlns="" val="2508929371"/>
+        <p14:creationId xmlns="" xmlns:p14="http://schemas.microsoft.com/office/powerpoint/2010/main" val="2508929371"/>
       </p:ext>
     </p:extLst>
   </p:cSld>
@@ -6679,7 +6679,7 @@
           <a:blip r:embed="rId2">
             <a:extLst>
               <a:ext uri="{28A0092B-C50C-407E-A947-70E740481C1C}">
-                <a14:useLocalDpi xmlns:a14="http://schemas.microsoft.com/office/drawing/2010/main" xmlns="" val="0"/>
+                <a14:useLocalDpi xmlns="" xmlns:a14="http://schemas.microsoft.com/office/drawing/2010/main" val="0"/>
               </a:ext>
             </a:extLst>
           </a:blip>
@@ -6700,7 +6700,7 @@
     </p:spTree>
     <p:extLst>
       <p:ext uri="{BB962C8B-B14F-4D97-AF65-F5344CB8AC3E}">
-        <p14:creationId xmlns:p14="http://schemas.microsoft.com/office/powerpoint/2010/main" xmlns="" val="2508929371"/>
+        <p14:creationId xmlns="" xmlns:p14="http://schemas.microsoft.com/office/powerpoint/2010/main" val="2508929371"/>
       </p:ext>
     </p:extLst>
   </p:cSld>
@@ -6832,7 +6832,7 @@
           <a:blip r:embed="rId2" cstate="print">
             <a:extLst>
               <a:ext uri="{28A0092B-C50C-407E-A947-70E740481C1C}">
-                <a14:useLocalDpi xmlns:a14="http://schemas.microsoft.com/office/drawing/2010/main" xmlns="" val="0"/>
+                <a14:useLocalDpi xmlns="" xmlns:a14="http://schemas.microsoft.com/office/drawing/2010/main" val="0"/>
               </a:ext>
             </a:extLst>
           </a:blip>
@@ -6855,14 +6855,14 @@
           </a:ln>
           <a:extLst>
             <a:ext uri="{909E8E84-426E-40DD-AFC4-6F175D3DCCD1}">
-              <a14:hiddenFill xmlns:a14="http://schemas.microsoft.com/office/drawing/2010/main" xmlns="">
+              <a14:hiddenFill xmlns="" xmlns:a14="http://schemas.microsoft.com/office/drawing/2010/main">
                 <a:solidFill>
                   <a:srgbClr val="FFFFFF"/>
                 </a:solidFill>
               </a14:hiddenFill>
             </a:ext>
             <a:ext uri="{91240B29-F687-4F45-9708-019B960494DF}">
-              <a14:hiddenLine xmlns:a14="http://schemas.microsoft.com/office/drawing/2010/main" xmlns="" w="9525">
+              <a14:hiddenLine xmlns="" xmlns:a14="http://schemas.microsoft.com/office/drawing/2010/main" w="9525">
                 <a:solidFill>
                   <a:srgbClr val="000000"/>
                 </a:solidFill>
@@ -6877,7 +6877,7 @@
     </p:spTree>
     <p:extLst>
       <p:ext uri="{BB962C8B-B14F-4D97-AF65-F5344CB8AC3E}">
-        <p14:creationId xmlns:p14="http://schemas.microsoft.com/office/powerpoint/2010/main" xmlns="" val="2508929371"/>
+        <p14:creationId xmlns="" xmlns:p14="http://schemas.microsoft.com/office/powerpoint/2010/main" val="2508929371"/>
       </p:ext>
     </p:extLst>
   </p:cSld>
@@ -7035,7 +7035,7 @@
     </p:spTree>
     <p:extLst>
       <p:ext uri="{BB962C8B-B14F-4D97-AF65-F5344CB8AC3E}">
-        <p14:creationId xmlns:p14="http://schemas.microsoft.com/office/powerpoint/2010/main" xmlns="" val="2508929371"/>
+        <p14:creationId xmlns="" xmlns:p14="http://schemas.microsoft.com/office/powerpoint/2010/main" val="2508929371"/>
       </p:ext>
     </p:extLst>
   </p:cSld>
@@ -7169,6 +7169,13 @@
               </a:rPr>
               <a:t>شحن البطارية </a:t>
             </a:r>
+            <a:r>
+              <a:rPr lang="en-US" sz="6000" smtClean="0">
+                <a:latin typeface="Ara Hamah Alislam" panose="00000500000000000000" pitchFamily="2" charset="-78"/>
+                <a:cs typeface="Ara Hamah Alislam" panose="00000500000000000000" pitchFamily="2" charset="-78"/>
+              </a:rPr>
+              <a:t> </a:t>
+            </a:r>
             <a:endParaRPr lang="he-IL" sz="6000" dirty="0" smtClean="0">
               <a:latin typeface="Ara Hamah Alislam" panose="00000500000000000000" pitchFamily="2" charset="-78"/>
             </a:endParaRPr>
@@ -7178,7 +7185,7 @@
     </p:spTree>
     <p:extLst>
       <p:ext uri="{BB962C8B-B14F-4D97-AF65-F5344CB8AC3E}">
-        <p14:creationId xmlns:p14="http://schemas.microsoft.com/office/powerpoint/2010/main" xmlns="" val="2508929371"/>
+        <p14:creationId xmlns="" xmlns:p14="http://schemas.microsoft.com/office/powerpoint/2010/main" val="2508929371"/>
       </p:ext>
     </p:extLst>
   </p:cSld>
@@ -7446,7 +7453,7 @@
   <a:extraClrSchemeLst/>
   <a:extLst>
     <a:ext uri="{05A4C25C-085E-4340-85A3-A5531E510DB2}">
-      <thm15:themeFamily xmlns:thm15="http://schemas.microsoft.com/office/thememl/2012/main" xmlns="" name="Facet" id="{C0C680CD-088A-49FC-A102-D699147F32B2}" vid="{CFBC31BA-B70F-4F30-BCAA-4F3011E16C4D}"/>
+      <thm15:themeFamily xmlns="" xmlns:thm15="http://schemas.microsoft.com/office/thememl/2012/main" name="Facet" id="{C0C680CD-088A-49FC-A102-D699147F32B2}" vid="{CFBC31BA-B70F-4F30-BCAA-4F3011E16C4D}"/>
     </a:ext>
   </a:extLst>
 </a:theme>
